--- a/docs/presentations/20170505_analyst_call.pptx
+++ b/docs/presentations/20170505_analyst_call.pptx
@@ -5,25 +5,28 @@
     <p:sldMasterId id="2147483648" r:id="rId1"/>
   </p:sldMasterIdLst>
   <p:notesMasterIdLst>
-    <p:notesMasterId r:id="rId18"/>
+    <p:notesMasterId r:id="rId21"/>
   </p:notesMasterIdLst>
   <p:sldIdLst>
     <p:sldId id="256" r:id="rId2"/>
-    <p:sldId id="263" r:id="rId3"/>
-    <p:sldId id="260" r:id="rId4"/>
-    <p:sldId id="267" r:id="rId5"/>
-    <p:sldId id="264" r:id="rId6"/>
-    <p:sldId id="270" r:id="rId7"/>
-    <p:sldId id="269" r:id="rId8"/>
-    <p:sldId id="271" r:id="rId9"/>
-    <p:sldId id="277" r:id="rId10"/>
-    <p:sldId id="273" r:id="rId11"/>
-    <p:sldId id="274" r:id="rId12"/>
-    <p:sldId id="275" r:id="rId13"/>
-    <p:sldId id="278" r:id="rId14"/>
-    <p:sldId id="279" r:id="rId15"/>
-    <p:sldId id="276" r:id="rId16"/>
-    <p:sldId id="280" r:id="rId17"/>
+    <p:sldId id="267" r:id="rId3"/>
+    <p:sldId id="264" r:id="rId4"/>
+    <p:sldId id="270" r:id="rId5"/>
+    <p:sldId id="269" r:id="rId6"/>
+    <p:sldId id="271" r:id="rId7"/>
+    <p:sldId id="277" r:id="rId8"/>
+    <p:sldId id="282" r:id="rId9"/>
+    <p:sldId id="273" r:id="rId10"/>
+    <p:sldId id="274" r:id="rId11"/>
+    <p:sldId id="275" r:id="rId12"/>
+    <p:sldId id="283" r:id="rId13"/>
+    <p:sldId id="284" r:id="rId14"/>
+    <p:sldId id="278" r:id="rId15"/>
+    <p:sldId id="279" r:id="rId16"/>
+    <p:sldId id="276" r:id="rId17"/>
+    <p:sldId id="280" r:id="rId18"/>
+    <p:sldId id="281" r:id="rId19"/>
+    <p:sldId id="260" r:id="rId20"/>
   </p:sldIdLst>
   <p:sldSz cx="12192000" cy="6858000"/>
   <p:notesSz cx="6858000" cy="9144000"/>
@@ -524,61 +527,38 @@
           <a:bodyPr/>
           <a:lstStyle/>
           <a:p>
-            <a:pPr marL="285750" indent="-285750">
-              <a:lnSpc>
-                <a:spcPct val="110000"/>
-              </a:lnSpc>
-              <a:buFont typeface="Arial"/>
-              <a:buChar char="•"/>
-            </a:pPr>
-            <a:r>
-              <a:rPr lang="en-US" sz="1200" dirty="0" smtClean="0"/>
-              <a:t>Identification of blood </a:t>
-            </a:r>
-            <a:r>
-              <a:rPr lang="en-US" sz="1200" dirty="0" err="1" smtClean="0"/>
-              <a:t>methQTLs</a:t>
-            </a:r>
-            <a:r>
-              <a:rPr lang="en-US" sz="1200" dirty="0" smtClean="0"/>
-              <a:t> across the lifespan </a:t>
-            </a:r>
-          </a:p>
-          <a:p>
-            <a:pPr marL="285750" indent="-285750">
-              <a:lnSpc>
-                <a:spcPct val="110000"/>
-              </a:lnSpc>
-              <a:buFont typeface="Arial"/>
-              <a:buChar char="•"/>
-            </a:pPr>
-            <a:r>
-              <a:rPr lang="en-US" sz="1200" dirty="0" smtClean="0"/>
-              <a:t>Using ARIES only (~ 1000 samples per time point), most of the </a:t>
-            </a:r>
-            <a:r>
-              <a:rPr lang="en-US" sz="1200" i="1" dirty="0" smtClean="0"/>
-              <a:t>trans</a:t>
-            </a:r>
-            <a:r>
-              <a:rPr lang="en-US" sz="1200" dirty="0" smtClean="0"/>
-              <a:t> SNP heritability is currently unexplained</a:t>
-            </a:r>
-          </a:p>
-          <a:p>
-            <a:pPr marL="285750" indent="-285750">
-              <a:lnSpc>
-                <a:spcPct val="110000"/>
-              </a:lnSpc>
-              <a:buFont typeface="Arial"/>
-              <a:buChar char="•"/>
-            </a:pPr>
-            <a:r>
-              <a:rPr lang="en-US" sz="1200" dirty="0" smtClean="0"/>
-              <a:t>Larger sample sizes are required</a:t>
-            </a:r>
-          </a:p>
-          <a:p>
+            <a:r>
+              <a:rPr lang="en-GB" dirty="0" smtClean="0"/>
+              <a:t>Take home message from this slide:</a:t>
+            </a:r>
+          </a:p>
+          <a:p>
+            <a:r>
+              <a:rPr lang="en-GB" dirty="0" smtClean="0"/>
+              <a:t>Phase 1 and</a:t>
+            </a:r>
+            <a:r>
+              <a:rPr lang="en-GB" baseline="0" dirty="0" smtClean="0"/>
+              <a:t> 2 are for European ancestry and blood derived methylation only</a:t>
+            </a:r>
+          </a:p>
+          <a:p>
+            <a:r>
+              <a:rPr lang="en-GB" baseline="0" dirty="0" smtClean="0"/>
+              <a:t>Phase 1 completed and Phase 2 has started </a:t>
+            </a:r>
+          </a:p>
+          <a:p>
+            <a:r>
+              <a:rPr lang="en-GB" baseline="0" dirty="0" smtClean="0"/>
+              <a:t>Phase 3 will include additional analyses including exploring meQTLs in non-European ancestries and comparing Phase 2 results to other tissue types</a:t>
+            </a:r>
+          </a:p>
+          <a:p>
+            <a:r>
+              <a:rPr lang="en-GB" baseline="0" dirty="0" smtClean="0"/>
+              <a:t>Phase 3 can begin in preparation shortly</a:t>
+            </a:r>
             <a:endParaRPr lang="en-GB" dirty="0"/>
           </a:p>
         </p:txBody>
@@ -598,125 +578,9 @@
           <a:bodyPr/>
           <a:lstStyle/>
           <a:p>
-            <a:fld id="{66B9550D-7BDE-4AB6-B59F-CAFAC3A9B686}" type="slidenum">
-              <a:rPr lang="en-GB" smtClean="0"/>
-              <a:t>2</a:t>
-            </a:fld>
-            <a:endParaRPr lang="en-GB"/>
-          </a:p>
-        </p:txBody>
-      </p:sp>
-    </p:spTree>
-    <p:extLst>
-      <p:ext uri="{BB962C8B-B14F-4D97-AF65-F5344CB8AC3E}">
-        <p14:creationId xmlns:p14="http://schemas.microsoft.com/office/powerpoint/2010/main" val="1072491236"/>
-      </p:ext>
-    </p:extLst>
-  </p:cSld>
-  <p:clrMapOvr>
-    <a:masterClrMapping/>
-  </p:clrMapOvr>
-</p:notes>
-</file>
-
-<file path=ppt/notesSlides/notesSlide2.xml><?xml version="1.0" encoding="utf-8"?>
-<p:notes xmlns:a="http://schemas.openxmlformats.org/drawingml/2006/main" xmlns:r="http://schemas.openxmlformats.org/officeDocument/2006/relationships" xmlns:p="http://schemas.openxmlformats.org/presentationml/2006/main">
-  <p:cSld>
-    <p:spTree>
-      <p:nvGrpSpPr>
-        <p:cNvPr id="1" name=""/>
-        <p:cNvGrpSpPr/>
-        <p:nvPr/>
-      </p:nvGrpSpPr>
-      <p:grpSpPr>
-        <a:xfrm>
-          <a:off x="0" y="0"/>
-          <a:ext cx="0" cy="0"/>
-          <a:chOff x="0" y="0"/>
-          <a:chExt cx="0" cy="0"/>
-        </a:xfrm>
-      </p:grpSpPr>
-      <p:sp>
-        <p:nvSpPr>
-          <p:cNvPr id="2" name="Slide Image Placeholder 1"/>
-          <p:cNvSpPr>
-            <a:spLocks noGrp="1" noRot="1" noChangeAspect="1"/>
-          </p:cNvSpPr>
-          <p:nvPr>
-            <p:ph type="sldImg"/>
-          </p:nvPr>
-        </p:nvSpPr>
-        <p:spPr/>
-      </p:sp>
-      <p:sp>
-        <p:nvSpPr>
-          <p:cNvPr id="3" name="Notes Placeholder 2"/>
-          <p:cNvSpPr>
-            <a:spLocks noGrp="1"/>
-          </p:cNvSpPr>
-          <p:nvPr>
-            <p:ph type="body" idx="1"/>
-          </p:nvPr>
-        </p:nvSpPr>
-        <p:spPr/>
-        <p:txBody>
-          <a:bodyPr/>
-          <a:lstStyle/>
-          <a:p>
-            <a:r>
-              <a:rPr lang="en-GB" dirty="0" smtClean="0"/>
-              <a:t>Take home message from this slide:</a:t>
-            </a:r>
-          </a:p>
-          <a:p>
-            <a:r>
-              <a:rPr lang="en-GB" dirty="0" smtClean="0"/>
-              <a:t>Phase 1 and</a:t>
-            </a:r>
-            <a:r>
-              <a:rPr lang="en-GB" baseline="0" dirty="0" smtClean="0"/>
-              <a:t> 2 are for European ancestry and blood derived methylation only</a:t>
-            </a:r>
-          </a:p>
-          <a:p>
-            <a:r>
-              <a:rPr lang="en-GB" baseline="0" dirty="0" smtClean="0"/>
-              <a:t>Phase 1 completed and Phase 2 has started </a:t>
-            </a:r>
-          </a:p>
-          <a:p>
-            <a:r>
-              <a:rPr lang="en-GB" baseline="0" dirty="0" smtClean="0"/>
-              <a:t>Phase 3 will include additional analyses including exploring meQTLs in non-European ancestries and comparing Phase 2 results to other tissue types</a:t>
-            </a:r>
-          </a:p>
-          <a:p>
-            <a:r>
-              <a:rPr lang="en-GB" baseline="0" dirty="0" smtClean="0"/>
-              <a:t>Phase 3 can begin in preparation shortly</a:t>
-            </a:r>
-            <a:endParaRPr lang="en-GB" dirty="0"/>
-          </a:p>
-        </p:txBody>
-      </p:sp>
-      <p:sp>
-        <p:nvSpPr>
-          <p:cNvPr id="4" name="Slide Number Placeholder 3"/>
-          <p:cNvSpPr>
-            <a:spLocks noGrp="1"/>
-          </p:cNvSpPr>
-          <p:nvPr>
-            <p:ph type="sldNum" sz="quarter" idx="10"/>
-          </p:nvPr>
-        </p:nvSpPr>
-        <p:spPr/>
-        <p:txBody>
-          <a:bodyPr/>
-          <a:lstStyle/>
-          <a:p>
             <a:fld id="{ED56C966-FEC8-4B12-8D4D-AED2AA6A434D}" type="slidenum">
               <a:rPr lang="en-GB" smtClean="0"/>
-              <a:t>5</a:t>
+              <a:t>3</a:t>
             </a:fld>
             <a:endParaRPr lang="en-GB" dirty="0"/>
           </a:p>
@@ -3615,6 +3479,40 @@
           </a:p>
         </p:txBody>
       </p:sp>
+      <p:sp>
+        <p:nvSpPr>
+          <p:cNvPr id="5" name="Subtitle 4"/>
+          <p:cNvSpPr>
+            <a:spLocks noGrp="1"/>
+          </p:cNvSpPr>
+          <p:nvPr>
+            <p:ph type="subTitle" idx="1"/>
+          </p:nvPr>
+        </p:nvSpPr>
+        <p:spPr/>
+        <p:txBody>
+          <a:bodyPr/>
+          <a:lstStyle/>
+          <a:p>
+            <a:r>
+              <a:rPr lang="en-US" dirty="0">
+                <a:hlinkClick r:id="rId2"/>
+              </a:rPr>
+              <a:t>https://</a:t>
+            </a:r>
+            <a:r>
+              <a:rPr lang="en-US" dirty="0" smtClean="0">
+                <a:hlinkClick r:id="rId2"/>
+              </a:rPr>
+              <a:t>github.com/MRCIEU/godmc_phase2_analysis</a:t>
+            </a:r>
+            <a:endParaRPr lang="en-US" dirty="0" smtClean="0"/>
+          </a:p>
+          <a:p>
+            <a:endParaRPr lang="en-US" dirty="0"/>
+          </a:p>
+        </p:txBody>
+      </p:sp>
     </p:spTree>
     <p:extLst>
       <p:ext uri="{BB962C8B-B14F-4D97-AF65-F5344CB8AC3E}">
@@ -3669,99 +3567,6 @@
         </p:blipFill>
         <p:spPr>
           <a:xfrm>
-            <a:off x="504496" y="99848"/>
-            <a:ext cx="6758152" cy="6758152"/>
-          </a:xfrm>
-        </p:spPr>
-      </p:pic>
-      <p:sp>
-        <p:nvSpPr>
-          <p:cNvPr id="5" name="TextBox 4"/>
-          <p:cNvSpPr txBox="1"/>
-          <p:nvPr/>
-        </p:nvSpPr>
-        <p:spPr>
-          <a:xfrm>
-            <a:off x="8040414" y="714703"/>
-            <a:ext cx="2921876" cy="646331"/>
-          </a:xfrm>
-          <a:prstGeom prst="rect">
-            <a:avLst/>
-          </a:prstGeom>
-          <a:noFill/>
-        </p:spPr>
-        <p:txBody>
-          <a:bodyPr wrap="square" rtlCol="0">
-            <a:spAutoFit/>
-          </a:bodyPr>
-          <a:lstStyle/>
-          <a:p>
-            <a:r>
-              <a:rPr lang="en-US" dirty="0" smtClean="0"/>
-              <a:t>Using </a:t>
-            </a:r>
-            <a:r>
-              <a:rPr lang="en-US" smtClean="0"/>
-              <a:t>1Mb radius as cis distance</a:t>
-            </a:r>
-            <a:endParaRPr lang="en-US"/>
-          </a:p>
-        </p:txBody>
-      </p:sp>
-    </p:spTree>
-    <p:extLst>
-      <p:ext uri="{BB962C8B-B14F-4D97-AF65-F5344CB8AC3E}">
-        <p14:creationId xmlns:p14="http://schemas.microsoft.com/office/powerpoint/2010/main" val="2593732"/>
-      </p:ext>
-    </p:extLst>
-  </p:cSld>
-  <p:clrMapOvr>
-    <a:masterClrMapping/>
-  </p:clrMapOvr>
-</p:sld>
-</file>
-
-<file path=ppt/slides/slide11.xml><?xml version="1.0" encoding="utf-8"?>
-<p:sld xmlns:a="http://schemas.openxmlformats.org/drawingml/2006/main" xmlns:r="http://schemas.openxmlformats.org/officeDocument/2006/relationships" xmlns:p="http://schemas.openxmlformats.org/presentationml/2006/main">
-  <p:cSld>
-    <p:spTree>
-      <p:nvGrpSpPr>
-        <p:cNvPr id="1" name=""/>
-        <p:cNvGrpSpPr/>
-        <p:nvPr/>
-      </p:nvGrpSpPr>
-      <p:grpSpPr>
-        <a:xfrm>
-          <a:off x="0" y="0"/>
-          <a:ext cx="0" cy="0"/>
-          <a:chOff x="0" y="0"/>
-          <a:chExt cx="0" cy="0"/>
-        </a:xfrm>
-      </p:grpSpPr>
-      <p:pic>
-        <p:nvPicPr>
-          <p:cNvPr id="4" name="Content Placeholder 3"/>
-          <p:cNvPicPr>
-            <a:picLocks noGrp="1" noChangeAspect="1"/>
-          </p:cNvPicPr>
-          <p:nvPr>
-            <p:ph idx="1"/>
-          </p:nvPr>
-        </p:nvPicPr>
-        <p:blipFill>
-          <a:blip r:embed="rId2">
-            <a:extLst>
-              <a:ext uri="{28A0092B-C50C-407E-A947-70E740481C1C}">
-                <a14:useLocalDpi xmlns:a14="http://schemas.microsoft.com/office/drawing/2010/main" val="0"/>
-              </a:ext>
-            </a:extLst>
-          </a:blip>
-          <a:stretch>
-            <a:fillRect/>
-          </a:stretch>
-        </p:blipFill>
-        <p:spPr>
-          <a:xfrm>
             <a:off x="2895600" y="247650"/>
             <a:ext cx="6400800" cy="6400800"/>
           </a:xfrm>
@@ -3780,7 +3585,7 @@
 </p:sld>
 </file>
 
-<file path=ppt/slides/slide12.xml><?xml version="1.0" encoding="utf-8"?>
+<file path=ppt/slides/slide11.xml><?xml version="1.0" encoding="utf-8"?>
 <p:sld xmlns:a="http://schemas.openxmlformats.org/drawingml/2006/main" xmlns:r="http://schemas.openxmlformats.org/officeDocument/2006/relationships" xmlns:p="http://schemas.openxmlformats.org/presentationml/2006/main">
   <p:cSld>
     <p:spTree>
@@ -3839,7 +3644,287 @@
 </p:sld>
 </file>
 
+<file path=ppt/slides/slide12.xml><?xml version="1.0" encoding="utf-8"?>
+<p:sld xmlns:a="http://schemas.openxmlformats.org/drawingml/2006/main" xmlns:r="http://schemas.openxmlformats.org/officeDocument/2006/relationships" xmlns:p="http://schemas.openxmlformats.org/presentationml/2006/main">
+  <p:cSld>
+    <p:spTree>
+      <p:nvGrpSpPr>
+        <p:cNvPr id="1" name=""/>
+        <p:cNvGrpSpPr/>
+        <p:nvPr/>
+      </p:nvGrpSpPr>
+      <p:grpSpPr>
+        <a:xfrm>
+          <a:off x="0" y="0"/>
+          <a:ext cx="0" cy="0"/>
+          <a:chOff x="0" y="0"/>
+          <a:chExt cx="0" cy="0"/>
+        </a:xfrm>
+      </p:grpSpPr>
+      <p:sp>
+        <p:nvSpPr>
+          <p:cNvPr id="2" name="Title 1"/>
+          <p:cNvSpPr>
+            <a:spLocks noGrp="1"/>
+          </p:cNvSpPr>
+          <p:nvPr>
+            <p:ph type="title"/>
+          </p:nvPr>
+        </p:nvSpPr>
+        <p:spPr/>
+        <p:txBody>
+          <a:bodyPr/>
+          <a:lstStyle/>
+          <a:p>
+            <a:r>
+              <a:rPr lang="en-US" dirty="0" smtClean="0"/>
+              <a:t>Independent hits from clumping</a:t>
+            </a:r>
+            <a:endParaRPr lang="en-US" dirty="0"/>
+          </a:p>
+        </p:txBody>
+      </p:sp>
+      <p:pic>
+        <p:nvPicPr>
+          <p:cNvPr id="6" name="Content Placeholder 5"/>
+          <p:cNvPicPr>
+            <a:picLocks noGrp="1" noChangeAspect="1"/>
+          </p:cNvPicPr>
+          <p:nvPr>
+            <p:ph sz="half" idx="1"/>
+          </p:nvPr>
+        </p:nvPicPr>
+        <p:blipFill>
+          <a:blip r:embed="rId2">
+            <a:extLst>
+              <a:ext uri="{28A0092B-C50C-407E-A947-70E740481C1C}">
+                <a14:useLocalDpi xmlns:a14="http://schemas.microsoft.com/office/drawing/2010/main" val="0"/>
+              </a:ext>
+            </a:extLst>
+          </a:blip>
+          <a:stretch>
+            <a:fillRect/>
+          </a:stretch>
+        </p:blipFill>
+        <p:spPr>
+          <a:xfrm>
+            <a:off x="1253331" y="1825625"/>
+            <a:ext cx="4351338" cy="4351338"/>
+          </a:xfrm>
+        </p:spPr>
+      </p:pic>
+      <p:pic>
+        <p:nvPicPr>
+          <p:cNvPr id="9" name="Content Placeholder 8"/>
+          <p:cNvPicPr>
+            <a:picLocks noGrp="1" noChangeAspect="1"/>
+          </p:cNvPicPr>
+          <p:nvPr>
+            <p:ph sz="half" idx="2"/>
+          </p:nvPr>
+        </p:nvPicPr>
+        <p:blipFill>
+          <a:blip r:embed="rId3">
+            <a:extLst>
+              <a:ext uri="{28A0092B-C50C-407E-A947-70E740481C1C}">
+                <a14:useLocalDpi xmlns:a14="http://schemas.microsoft.com/office/drawing/2010/main" val="0"/>
+              </a:ext>
+            </a:extLst>
+          </a:blip>
+          <a:stretch>
+            <a:fillRect/>
+          </a:stretch>
+        </p:blipFill>
+        <p:spPr>
+          <a:xfrm>
+            <a:off x="6587331" y="1825625"/>
+            <a:ext cx="4351338" cy="4351338"/>
+          </a:xfrm>
+        </p:spPr>
+      </p:pic>
+      <p:sp>
+        <p:nvSpPr>
+          <p:cNvPr id="10" name="TextBox 9"/>
+          <p:cNvSpPr txBox="1"/>
+          <p:nvPr/>
+        </p:nvSpPr>
+        <p:spPr>
+          <a:xfrm>
+            <a:off x="2238703" y="6274676"/>
+            <a:ext cx="6558456" cy="369332"/>
+          </a:xfrm>
+          <a:prstGeom prst="rect">
+            <a:avLst/>
+          </a:prstGeom>
+          <a:noFill/>
+        </p:spPr>
+        <p:txBody>
+          <a:bodyPr wrap="square" rtlCol="0">
+            <a:spAutoFit/>
+          </a:bodyPr>
+          <a:lstStyle/>
+          <a:p>
+            <a:r>
+              <a:rPr lang="cs-CZ" dirty="0" smtClean="0"/>
+              <a:t>chr16:67605794:SNP</a:t>
+            </a:r>
+            <a:r>
+              <a:rPr lang="en-US" dirty="0" smtClean="0"/>
+              <a:t> associates with 402 different </a:t>
+            </a:r>
+            <a:r>
+              <a:rPr lang="en-US" dirty="0" err="1" smtClean="0"/>
+              <a:t>CpGs</a:t>
+            </a:r>
+            <a:r>
+              <a:rPr lang="en-US" dirty="0" smtClean="0"/>
+              <a:t> at p &lt; 1e-14</a:t>
+            </a:r>
+            <a:endParaRPr lang="cs-CZ" dirty="0"/>
+          </a:p>
+        </p:txBody>
+      </p:sp>
+    </p:spTree>
+    <p:extLst>
+      <p:ext uri="{BB962C8B-B14F-4D97-AF65-F5344CB8AC3E}">
+        <p14:creationId xmlns:p14="http://schemas.microsoft.com/office/powerpoint/2010/main" val="2110422070"/>
+      </p:ext>
+    </p:extLst>
+  </p:cSld>
+  <p:clrMapOvr>
+    <a:masterClrMapping/>
+  </p:clrMapOvr>
+</p:sld>
+</file>
+
 <file path=ppt/slides/slide13.xml><?xml version="1.0" encoding="utf-8"?>
+<p:sld xmlns:a="http://schemas.openxmlformats.org/drawingml/2006/main" xmlns:r="http://schemas.openxmlformats.org/officeDocument/2006/relationships" xmlns:p="http://schemas.openxmlformats.org/presentationml/2006/main">
+  <p:cSld>
+    <p:spTree>
+      <p:nvGrpSpPr>
+        <p:cNvPr id="1" name=""/>
+        <p:cNvGrpSpPr/>
+        <p:nvPr/>
+      </p:nvGrpSpPr>
+      <p:grpSpPr>
+        <a:xfrm>
+          <a:off x="0" y="0"/>
+          <a:ext cx="0" cy="0"/>
+          <a:chOff x="0" y="0"/>
+          <a:chExt cx="0" cy="0"/>
+        </a:xfrm>
+      </p:grpSpPr>
+      <p:sp>
+        <p:nvSpPr>
+          <p:cNvPr id="2" name="Title 1"/>
+          <p:cNvSpPr>
+            <a:spLocks noGrp="1"/>
+          </p:cNvSpPr>
+          <p:nvPr>
+            <p:ph type="title"/>
+          </p:nvPr>
+        </p:nvSpPr>
+        <p:spPr/>
+        <p:txBody>
+          <a:bodyPr/>
+          <a:lstStyle/>
+          <a:p>
+            <a:r>
+              <a:rPr lang="en-US" dirty="0" smtClean="0"/>
+              <a:t>Independent hits from conditional analysis (using </a:t>
+            </a:r>
+            <a:r>
+              <a:rPr lang="en-US" dirty="0" err="1" smtClean="0"/>
+              <a:t>cojo-slct</a:t>
+            </a:r>
+            <a:r>
+              <a:rPr lang="en-US" dirty="0" smtClean="0"/>
+              <a:t> </a:t>
+            </a:r>
+            <a:r>
+              <a:rPr lang="mr-IN" dirty="0" smtClean="0"/>
+              <a:t>–</a:t>
+            </a:r>
+            <a:r>
+              <a:rPr lang="en-US" dirty="0" smtClean="0"/>
+              <a:t> this may be wrong)</a:t>
+            </a:r>
+            <a:endParaRPr lang="en-US" dirty="0"/>
+          </a:p>
+        </p:txBody>
+      </p:sp>
+      <p:pic>
+        <p:nvPicPr>
+          <p:cNvPr id="5" name="Content Placeholder 4"/>
+          <p:cNvPicPr>
+            <a:picLocks noGrp="1" noChangeAspect="1"/>
+          </p:cNvPicPr>
+          <p:nvPr>
+            <p:ph sz="half" idx="1"/>
+          </p:nvPr>
+        </p:nvPicPr>
+        <p:blipFill>
+          <a:blip r:embed="rId2">
+            <a:extLst>
+              <a:ext uri="{28A0092B-C50C-407E-A947-70E740481C1C}">
+                <a14:useLocalDpi xmlns:a14="http://schemas.microsoft.com/office/drawing/2010/main" val="0"/>
+              </a:ext>
+            </a:extLst>
+          </a:blip>
+          <a:stretch>
+            <a:fillRect/>
+          </a:stretch>
+        </p:blipFill>
+        <p:spPr>
+          <a:xfrm>
+            <a:off x="1253331" y="1825625"/>
+            <a:ext cx="4351338" cy="4351338"/>
+          </a:xfrm>
+        </p:spPr>
+      </p:pic>
+      <p:pic>
+        <p:nvPicPr>
+          <p:cNvPr id="6" name="Content Placeholder 5"/>
+          <p:cNvPicPr>
+            <a:picLocks noGrp="1" noChangeAspect="1"/>
+          </p:cNvPicPr>
+          <p:nvPr>
+            <p:ph sz="half" idx="2"/>
+          </p:nvPr>
+        </p:nvPicPr>
+        <p:blipFill>
+          <a:blip r:embed="rId3">
+            <a:extLst>
+              <a:ext uri="{28A0092B-C50C-407E-A947-70E740481C1C}">
+                <a14:useLocalDpi xmlns:a14="http://schemas.microsoft.com/office/drawing/2010/main" val="0"/>
+              </a:ext>
+            </a:extLst>
+          </a:blip>
+          <a:stretch>
+            <a:fillRect/>
+          </a:stretch>
+        </p:blipFill>
+        <p:spPr>
+          <a:xfrm>
+            <a:off x="6587331" y="1825625"/>
+            <a:ext cx="4351338" cy="4351338"/>
+          </a:xfrm>
+        </p:spPr>
+      </p:pic>
+    </p:spTree>
+    <p:extLst>
+      <p:ext uri="{BB962C8B-B14F-4D97-AF65-F5344CB8AC3E}">
+        <p14:creationId xmlns:p14="http://schemas.microsoft.com/office/powerpoint/2010/main" val="1356895867"/>
+      </p:ext>
+    </p:extLst>
+  </p:cSld>
+  <p:clrMapOvr>
+    <a:masterClrMapping/>
+  </p:clrMapOvr>
+</p:sld>
+</file>
+
+<file path=ppt/slides/slide14.xml><?xml version="1.0" encoding="utf-8"?>
 <p:sld xmlns:a="http://schemas.openxmlformats.org/drawingml/2006/main" xmlns:r="http://schemas.openxmlformats.org/officeDocument/2006/relationships" xmlns:p="http://schemas.openxmlformats.org/presentationml/2006/main">
   <p:cSld>
     <p:spTree>
@@ -3898,7 +3983,7 @@
 </p:sld>
 </file>
 
-<file path=ppt/slides/slide14.xml><?xml version="1.0" encoding="utf-8"?>
+<file path=ppt/slides/slide15.xml><?xml version="1.0" encoding="utf-8"?>
 <p:sld xmlns:a="http://schemas.openxmlformats.org/drawingml/2006/main" xmlns:r="http://schemas.openxmlformats.org/officeDocument/2006/relationships" xmlns:p="http://schemas.openxmlformats.org/presentationml/2006/main">
   <p:cSld>
     <p:spTree>
@@ -3957,7 +4042,7 @@
 </p:sld>
 </file>
 
-<file path=ppt/slides/slide15.xml><?xml version="1.0" encoding="utf-8"?>
+<file path=ppt/slides/slide16.xml><?xml version="1.0" encoding="utf-8"?>
 <p:sld xmlns:a="http://schemas.openxmlformats.org/drawingml/2006/main" xmlns:r="http://schemas.openxmlformats.org/officeDocument/2006/relationships" xmlns:p="http://schemas.openxmlformats.org/presentationml/2006/main">
   <p:cSld>
     <p:spTree>
@@ -4017,7 +4102,7 @@
 </p:sld>
 </file>
 
-<file path=ppt/slides/slide16.xml><?xml version="1.0" encoding="utf-8"?>
+<file path=ppt/slides/slide17.xml><?xml version="1.0" encoding="utf-8"?>
 <p:sld xmlns:a="http://schemas.openxmlformats.org/drawingml/2006/main" xmlns:r="http://schemas.openxmlformats.org/officeDocument/2006/relationships" xmlns:p="http://schemas.openxmlformats.org/presentationml/2006/main">
   <p:cSld>
     <p:spTree>
@@ -4135,7 +4220,7 @@
 </p:sld>
 </file>
 
-<file path=ppt/slides/slide2.xml><?xml version="1.0" encoding="utf-8"?>
+<file path=ppt/slides/slide18.xml><?xml version="1.0" encoding="utf-8"?>
 <p:sld xmlns:a="http://schemas.openxmlformats.org/drawingml/2006/main" xmlns:r="http://schemas.openxmlformats.org/officeDocument/2006/relationships" xmlns:p="http://schemas.openxmlformats.org/presentationml/2006/main">
   <p:cSld>
     <p:spTree>
@@ -4162,35 +4247,71 @@
             <p:ph type="title"/>
           </p:nvPr>
         </p:nvSpPr>
+        <p:spPr/>
+        <p:txBody>
+          <a:bodyPr/>
+          <a:lstStyle/>
+          <a:p>
+            <a:r>
+              <a:rPr lang="en-US" dirty="0" smtClean="0"/>
+              <a:t>Selecting </a:t>
+            </a:r>
+            <a:r>
+              <a:rPr lang="en-US" dirty="0" err="1" smtClean="0"/>
+              <a:t>CpGs</a:t>
+            </a:r>
+            <a:r>
+              <a:rPr lang="en-US" dirty="0" smtClean="0"/>
+              <a:t> that have both cis and trans</a:t>
+            </a:r>
+            <a:r>
+              <a:rPr lang="mr-IN" dirty="0" smtClean="0"/>
+              <a:t>…</a:t>
+            </a:r>
+            <a:endParaRPr lang="en-US" dirty="0"/>
+          </a:p>
+        </p:txBody>
+      </p:sp>
+      <p:pic>
+        <p:nvPicPr>
+          <p:cNvPr id="7" name="Content Placeholder 6"/>
+          <p:cNvPicPr>
+            <a:picLocks noGrp="1" noChangeAspect="1"/>
+          </p:cNvPicPr>
+          <p:nvPr>
+            <p:ph sz="half" idx="1"/>
+          </p:nvPr>
+        </p:nvPicPr>
+        <p:blipFill>
+          <a:blip r:embed="rId2">
+            <a:extLst>
+              <a:ext uri="{28A0092B-C50C-407E-A947-70E740481C1C}">
+                <a14:useLocalDpi xmlns:a14="http://schemas.microsoft.com/office/drawing/2010/main" val="0"/>
+              </a:ext>
+            </a:extLst>
+          </a:blip>
+          <a:stretch>
+            <a:fillRect/>
+          </a:stretch>
+        </p:blipFill>
         <p:spPr>
           <a:xfrm>
-            <a:off x="1981200" y="20631"/>
-            <a:ext cx="8229600" cy="1143000"/>
+            <a:off x="1253331" y="1825625"/>
+            <a:ext cx="4351338" cy="4351338"/>
           </a:xfrm>
         </p:spPr>
-        <p:txBody>
-          <a:bodyPr>
-            <a:normAutofit/>
-          </a:bodyPr>
-          <a:lstStyle/>
-          <a:p>
-            <a:r>
-              <a:rPr lang="en-US" sz="3600" dirty="0" smtClean="0"/>
-              <a:t>Missing heritability in DNA methylation</a:t>
-            </a:r>
-            <a:endParaRPr lang="en-US" sz="3600" dirty="0"/>
-          </a:p>
-        </p:txBody>
-      </p:sp>
+      </p:pic>
       <p:pic>
         <p:nvPicPr>
-          <p:cNvPr id="7" name="Picture 52"/>
+          <p:cNvPr id="8" name="Content Placeholder 7"/>
           <p:cNvPicPr>
-            <a:picLocks noChangeAspect="1" noChangeArrowheads="1"/>
+            <a:picLocks noGrp="1" noChangeAspect="1"/>
           </p:cNvPicPr>
-          <p:nvPr/>
+          <p:nvPr>
+            <p:ph sz="half" idx="2"/>
+          </p:nvPr>
         </p:nvPicPr>
-        <p:blipFill rotWithShape="1">
+        <p:blipFill>
           <a:blip r:embed="rId3">
             <a:extLst>
               <a:ext uri="{28A0092B-C50C-407E-A947-70E740481C1C}">
@@ -4198,717 +4319,31 @@
               </a:ext>
             </a:extLst>
           </a:blip>
-          <a:srcRect l="55556" t="51785" r="12234" b="3035"/>
-          <a:stretch/>
+          <a:stretch>
+            <a:fillRect/>
+          </a:stretch>
         </p:blipFill>
-        <p:spPr bwMode="auto">
+        <p:spPr>
           <a:xfrm>
-            <a:off x="2730868" y="1114644"/>
-            <a:ext cx="4114800" cy="5572938"/>
+            <a:off x="6587331" y="1825625"/>
+            <a:ext cx="4351338" cy="4351338"/>
           </a:xfrm>
-          <a:prstGeom prst="rect">
-            <a:avLst/>
-          </a:prstGeom>
-          <a:noFill/>
-          <a:ln>
-            <a:noFill/>
-          </a:ln>
-          <a:extLst>
-            <a:ext uri="{909E8E84-426E-40dd-AFC4-6F175D3DCCD1}">
-              <a14:hiddenFill xmlns="" xmlns:a14="http://schemas.microsoft.com/office/drawing/2010/main">
-                <a:solidFill>
-                  <a:srgbClr val="FFFFFF"/>
-                </a:solidFill>
-              </a14:hiddenFill>
-            </a:ext>
-            <a:ext uri="{91240B29-F687-4f45-9708-019B960494DF}">
-              <a14:hiddenLine xmlns="" xmlns:a14="http://schemas.microsoft.com/office/drawing/2010/main" w="9525">
-                <a:solidFill>
-                  <a:srgbClr val="000000"/>
-                </a:solidFill>
-                <a:miter lim="800000"/>
-                <a:headEnd/>
-                <a:tailEnd/>
-              </a14:hiddenLine>
-            </a:ext>
-          </a:extLst>
         </p:spPr>
       </p:pic>
-      <p:sp>
-        <p:nvSpPr>
-          <p:cNvPr id="8" name="TextBox 7"/>
-          <p:cNvSpPr txBox="1"/>
-          <p:nvPr/>
-        </p:nvSpPr>
-        <p:spPr>
-          <a:xfrm>
-            <a:off x="8699500" y="6363297"/>
-            <a:ext cx="1968500" cy="369332"/>
-          </a:xfrm>
-          <a:prstGeom prst="rect">
-            <a:avLst/>
-          </a:prstGeom>
-          <a:noFill/>
-        </p:spPr>
-        <p:txBody>
-          <a:bodyPr wrap="square" rtlCol="0">
-            <a:spAutoFit/>
-          </a:bodyPr>
-          <a:lstStyle/>
-          <a:p>
-            <a:r>
-              <a:rPr lang="en-US" dirty="0"/>
-              <a:t>Gaunt 2016 </a:t>
-            </a:r>
-            <a:r>
-              <a:rPr lang="en-US" i="1" dirty="0"/>
-              <a:t>et al</a:t>
-            </a:r>
-            <a:r>
-              <a:rPr lang="en-US" dirty="0"/>
-              <a:t>.</a:t>
-            </a:r>
-          </a:p>
-        </p:txBody>
-      </p:sp>
-      <p:grpSp>
-        <p:nvGrpSpPr>
-          <p:cNvPr id="28" name="Group 27"/>
-          <p:cNvGrpSpPr/>
-          <p:nvPr/>
-        </p:nvGrpSpPr>
-        <p:grpSpPr>
-          <a:xfrm>
-            <a:off x="6486439" y="5655411"/>
-            <a:ext cx="3720615" cy="707886"/>
-            <a:chOff x="6074228" y="5655411"/>
-            <a:chExt cx="3720615" cy="707886"/>
-          </a:xfrm>
-        </p:grpSpPr>
-        <p:sp>
-          <p:nvSpPr>
-            <p:cNvPr id="2" name="TextBox 1"/>
-            <p:cNvSpPr txBox="1"/>
-            <p:nvPr/>
-          </p:nvSpPr>
-          <p:spPr>
-            <a:xfrm>
-              <a:off x="6457772" y="5655411"/>
-              <a:ext cx="3337071" cy="707886"/>
-            </a:xfrm>
-            <a:prstGeom prst="rect">
-              <a:avLst/>
-            </a:prstGeom>
-            <a:solidFill>
-              <a:schemeClr val="bg1"/>
-            </a:solidFill>
-          </p:spPr>
-          <p:txBody>
-            <a:bodyPr wrap="none" rtlCol="0">
-              <a:spAutoFit/>
-            </a:bodyPr>
-            <a:lstStyle/>
-            <a:p>
-              <a:r>
-                <a:rPr lang="en-GB" sz="2000" dirty="0"/>
-                <a:t>Explained variation by known </a:t>
-              </a:r>
-            </a:p>
-            <a:p>
-              <a:r>
-                <a:rPr lang="en-GB" sz="2000" dirty="0" err="1"/>
-                <a:t>Cis-methQTLs</a:t>
-              </a:r>
-              <a:endParaRPr lang="en-GB" sz="2000" dirty="0"/>
-            </a:p>
-          </p:txBody>
-        </p:sp>
-        <p:cxnSp>
-          <p:nvCxnSpPr>
-            <p:cNvPr id="6" name="Straight Arrow Connector 5"/>
-            <p:cNvCxnSpPr/>
-            <p:nvPr/>
-          </p:nvCxnSpPr>
-          <p:spPr>
-            <a:xfrm flipH="1">
-              <a:off x="6074228" y="5855466"/>
-              <a:ext cx="359230" cy="0"/>
-            </a:xfrm>
-            <a:prstGeom prst="straightConnector1">
-              <a:avLst/>
-            </a:prstGeom>
-            <a:ln>
-              <a:solidFill>
-                <a:srgbClr val="FF0000"/>
-              </a:solidFill>
-              <a:tailEnd type="triangle"/>
-            </a:ln>
-          </p:spPr>
-          <p:style>
-            <a:lnRef idx="2">
-              <a:schemeClr val="accent1"/>
-            </a:lnRef>
-            <a:fillRef idx="0">
-              <a:schemeClr val="accent1"/>
-            </a:fillRef>
-            <a:effectRef idx="1">
-              <a:schemeClr val="accent1"/>
-            </a:effectRef>
-            <a:fontRef idx="minor">
-              <a:schemeClr val="tx1"/>
-            </a:fontRef>
-          </p:style>
-        </p:cxnSp>
-      </p:grpSp>
-      <p:grpSp>
-        <p:nvGrpSpPr>
-          <p:cNvPr id="29" name="Group 28"/>
-          <p:cNvGrpSpPr/>
-          <p:nvPr/>
-        </p:nvGrpSpPr>
-        <p:grpSpPr>
-          <a:xfrm>
-            <a:off x="6486439" y="4890489"/>
-            <a:ext cx="3526090" cy="764922"/>
-            <a:chOff x="6074229" y="4890489"/>
-            <a:chExt cx="3526090" cy="764922"/>
-          </a:xfrm>
-        </p:grpSpPr>
-        <p:sp>
-          <p:nvSpPr>
-            <p:cNvPr id="10" name="TextBox 9"/>
-            <p:cNvSpPr txBox="1"/>
-            <p:nvPr/>
-          </p:nvSpPr>
-          <p:spPr>
-            <a:xfrm>
-              <a:off x="6466115" y="4890489"/>
-              <a:ext cx="3134204" cy="707886"/>
-            </a:xfrm>
-            <a:prstGeom prst="rect">
-              <a:avLst/>
-            </a:prstGeom>
-            <a:solidFill>
-              <a:schemeClr val="bg1"/>
-            </a:solidFill>
-          </p:spPr>
-          <p:txBody>
-            <a:bodyPr wrap="none" rtlCol="0">
-              <a:spAutoFit/>
-            </a:bodyPr>
-            <a:lstStyle/>
-            <a:p>
-              <a:r>
-                <a:rPr lang="en-GB" sz="2000" dirty="0"/>
-                <a:t>SNP heritability due to</a:t>
-              </a:r>
-            </a:p>
-            <a:p>
-              <a:r>
-                <a:rPr lang="en-GB" sz="2000" i="1" dirty="0" err="1"/>
-                <a:t>Cis</a:t>
-              </a:r>
-              <a:r>
-                <a:rPr lang="en-GB" sz="2000" i="1" dirty="0"/>
-                <a:t> </a:t>
-              </a:r>
-              <a:r>
-                <a:rPr lang="en-GB" sz="2000" dirty="0"/>
-                <a:t>hits </a:t>
-              </a:r>
-              <a:r>
-                <a:rPr lang="en-GB" sz="2000" b="1" dirty="0"/>
-                <a:t>(unexplained so far)</a:t>
-              </a:r>
-            </a:p>
-          </p:txBody>
-        </p:sp>
-        <p:cxnSp>
-          <p:nvCxnSpPr>
-            <p:cNvPr id="16" name="Straight Arrow Connector 15"/>
-            <p:cNvCxnSpPr>
-              <a:stCxn id="10" idx="1"/>
-            </p:cNvCxnSpPr>
-            <p:nvPr/>
-          </p:nvCxnSpPr>
-          <p:spPr>
-            <a:xfrm flipH="1">
-              <a:off x="6074229" y="5244432"/>
-              <a:ext cx="391886" cy="410979"/>
-            </a:xfrm>
-            <a:prstGeom prst="straightConnector1">
-              <a:avLst/>
-            </a:prstGeom>
-            <a:ln>
-              <a:solidFill>
-                <a:srgbClr val="FF0000"/>
-              </a:solidFill>
-              <a:tailEnd type="triangle"/>
-            </a:ln>
-          </p:spPr>
-          <p:style>
-            <a:lnRef idx="2">
-              <a:schemeClr val="accent1"/>
-            </a:lnRef>
-            <a:fillRef idx="0">
-              <a:schemeClr val="accent1"/>
-            </a:fillRef>
-            <a:effectRef idx="1">
-              <a:schemeClr val="accent1"/>
-            </a:effectRef>
-            <a:fontRef idx="minor">
-              <a:schemeClr val="tx1"/>
-            </a:fontRef>
-          </p:style>
-        </p:cxnSp>
-      </p:grpSp>
-      <p:grpSp>
-        <p:nvGrpSpPr>
-          <p:cNvPr id="31" name="Group 30"/>
-          <p:cNvGrpSpPr/>
-          <p:nvPr/>
-        </p:nvGrpSpPr>
-        <p:grpSpPr>
-          <a:xfrm>
-            <a:off x="6486439" y="1849365"/>
-            <a:ext cx="3728957" cy="707886"/>
-            <a:chOff x="6074228" y="1849365"/>
-            <a:chExt cx="3728957" cy="707886"/>
-          </a:xfrm>
-        </p:grpSpPr>
-        <p:sp>
-          <p:nvSpPr>
-            <p:cNvPr id="11" name="TextBox 10"/>
-            <p:cNvSpPr txBox="1"/>
-            <p:nvPr/>
-          </p:nvSpPr>
-          <p:spPr>
-            <a:xfrm>
-              <a:off x="6466114" y="1849365"/>
-              <a:ext cx="3337071" cy="707886"/>
-            </a:xfrm>
-            <a:prstGeom prst="rect">
-              <a:avLst/>
-            </a:prstGeom>
-            <a:solidFill>
-              <a:schemeClr val="bg1"/>
-            </a:solidFill>
-          </p:spPr>
-          <p:txBody>
-            <a:bodyPr wrap="none" rtlCol="0">
-              <a:spAutoFit/>
-            </a:bodyPr>
-            <a:lstStyle/>
-            <a:p>
-              <a:r>
-                <a:rPr lang="en-GB" sz="2000" dirty="0"/>
-                <a:t>Explained variation by known </a:t>
-              </a:r>
-            </a:p>
-            <a:p>
-              <a:r>
-                <a:rPr lang="en-GB" sz="2000" dirty="0"/>
-                <a:t>Trans-</a:t>
-              </a:r>
-              <a:r>
-                <a:rPr lang="en-GB" sz="2000" dirty="0" err="1"/>
-                <a:t>methQTLs</a:t>
-              </a:r>
-              <a:endParaRPr lang="en-GB" sz="2000" dirty="0"/>
-            </a:p>
-          </p:txBody>
-        </p:sp>
-        <p:cxnSp>
-          <p:nvCxnSpPr>
-            <p:cNvPr id="19" name="Straight Arrow Connector 18"/>
-            <p:cNvCxnSpPr/>
-            <p:nvPr/>
-          </p:nvCxnSpPr>
-          <p:spPr>
-            <a:xfrm flipH="1">
-              <a:off x="6074228" y="2203308"/>
-              <a:ext cx="359230" cy="0"/>
-            </a:xfrm>
-            <a:prstGeom prst="straightConnector1">
-              <a:avLst/>
-            </a:prstGeom>
-            <a:ln>
-              <a:solidFill>
-                <a:srgbClr val="FF0000"/>
-              </a:solidFill>
-              <a:tailEnd type="triangle"/>
-            </a:ln>
-          </p:spPr>
-          <p:style>
-            <a:lnRef idx="2">
-              <a:schemeClr val="accent1"/>
-            </a:lnRef>
-            <a:fillRef idx="0">
-              <a:schemeClr val="accent1"/>
-            </a:fillRef>
-            <a:effectRef idx="1">
-              <a:schemeClr val="accent1"/>
-            </a:effectRef>
-            <a:fontRef idx="minor">
-              <a:schemeClr val="tx1"/>
-            </a:fontRef>
-          </p:style>
-        </p:cxnSp>
-      </p:grpSp>
-      <p:grpSp>
-        <p:nvGrpSpPr>
-          <p:cNvPr id="30" name="Group 29"/>
-          <p:cNvGrpSpPr/>
-          <p:nvPr/>
-        </p:nvGrpSpPr>
-        <p:grpSpPr>
-          <a:xfrm>
-            <a:off x="6551754" y="3574066"/>
-            <a:ext cx="3766997" cy="707886"/>
-            <a:chOff x="6139543" y="3574066"/>
-            <a:chExt cx="3766997" cy="707886"/>
-          </a:xfrm>
-        </p:grpSpPr>
-        <p:sp>
-          <p:nvSpPr>
-            <p:cNvPr id="12" name="TextBox 11"/>
-            <p:cNvSpPr txBox="1"/>
-            <p:nvPr/>
-          </p:nvSpPr>
-          <p:spPr>
-            <a:xfrm>
-              <a:off x="6440477" y="3574066"/>
-              <a:ext cx="3466063" cy="707886"/>
-            </a:xfrm>
-            <a:prstGeom prst="rect">
-              <a:avLst/>
-            </a:prstGeom>
-            <a:solidFill>
-              <a:schemeClr val="bg1"/>
-            </a:solidFill>
-          </p:spPr>
-          <p:txBody>
-            <a:bodyPr wrap="none" rtlCol="0">
-              <a:spAutoFit/>
-            </a:bodyPr>
-            <a:lstStyle/>
-            <a:p>
-              <a:r>
-                <a:rPr lang="en-GB" sz="2000" dirty="0"/>
-                <a:t>SNP heritability due to</a:t>
-              </a:r>
-            </a:p>
-            <a:p>
-              <a:r>
-                <a:rPr lang="en-GB" sz="2000" i="1" dirty="0"/>
-                <a:t>Trans</a:t>
-              </a:r>
-              <a:r>
-                <a:rPr lang="en-GB" sz="2000" dirty="0"/>
-                <a:t> hits </a:t>
-              </a:r>
-              <a:r>
-                <a:rPr lang="en-GB" sz="2000" b="1" dirty="0"/>
-                <a:t>(unexplained so far)</a:t>
-              </a:r>
-            </a:p>
-          </p:txBody>
-        </p:sp>
-        <p:cxnSp>
-          <p:nvCxnSpPr>
-            <p:cNvPr id="22" name="Straight Arrow Connector 21"/>
-            <p:cNvCxnSpPr>
-              <a:stCxn id="12" idx="1"/>
-            </p:cNvCxnSpPr>
-            <p:nvPr/>
-          </p:nvCxnSpPr>
-          <p:spPr>
-            <a:xfrm flipH="1">
-              <a:off x="6139543" y="3928009"/>
-              <a:ext cx="300934" cy="0"/>
-            </a:xfrm>
-            <a:prstGeom prst="straightConnector1">
-              <a:avLst/>
-            </a:prstGeom>
-            <a:ln>
-              <a:solidFill>
-                <a:srgbClr val="FF0000"/>
-              </a:solidFill>
-              <a:tailEnd type="triangle"/>
-            </a:ln>
-          </p:spPr>
-          <p:style>
-            <a:lnRef idx="2">
-              <a:schemeClr val="accent1"/>
-            </a:lnRef>
-            <a:fillRef idx="0">
-              <a:schemeClr val="accent1"/>
-            </a:fillRef>
-            <a:effectRef idx="1">
-              <a:schemeClr val="accent1"/>
-            </a:effectRef>
-            <a:fontRef idx="minor">
-              <a:schemeClr val="tx1"/>
-            </a:fontRef>
-          </p:style>
-        </p:cxnSp>
-      </p:grpSp>
     </p:spTree>
     <p:extLst>
       <p:ext uri="{BB962C8B-B14F-4D97-AF65-F5344CB8AC3E}">
-        <p14:creationId xmlns:p14="http://schemas.microsoft.com/office/powerpoint/2010/main" val="81710867"/>
+        <p14:creationId xmlns:p14="http://schemas.microsoft.com/office/powerpoint/2010/main" val="1422457892"/>
       </p:ext>
     </p:extLst>
   </p:cSld>
   <p:clrMapOvr>
     <a:masterClrMapping/>
   </p:clrMapOvr>
-  <p:timing>
-    <p:tnLst>
-      <p:par>
-        <p:cTn id="1" dur="indefinite" restart="never" nodeType="tmRoot">
-          <p:childTnLst>
-            <p:seq concurrent="1" nextAc="seek">
-              <p:cTn id="2" dur="indefinite" nodeType="mainSeq">
-                <p:childTnLst>
-                  <p:par>
-                    <p:cTn id="3" fill="hold">
-                      <p:stCondLst>
-                        <p:cond delay="indefinite"/>
-                      </p:stCondLst>
-                      <p:childTnLst>
-                        <p:par>
-                          <p:cTn id="4" fill="hold">
-                            <p:stCondLst>
-                              <p:cond delay="0"/>
-                            </p:stCondLst>
-                            <p:childTnLst>
-                              <p:par>
-                                <p:cTn id="5" presetID="10" presetClass="entr" presetSubtype="0" fill="hold" nodeType="clickEffect">
-                                  <p:stCondLst>
-                                    <p:cond delay="0"/>
-                                  </p:stCondLst>
-                                  <p:childTnLst>
-                                    <p:set>
-                                      <p:cBhvr>
-                                        <p:cTn id="6" dur="1" fill="hold">
-                                          <p:stCondLst>
-                                            <p:cond delay="0"/>
-                                          </p:stCondLst>
-                                        </p:cTn>
-                                        <p:tgtEl>
-                                          <p:spTgt spid="28"/>
-                                        </p:tgtEl>
-                                        <p:attrNameLst>
-                                          <p:attrName>style.visibility</p:attrName>
-                                        </p:attrNameLst>
-                                      </p:cBhvr>
-                                      <p:to>
-                                        <p:strVal val="visible"/>
-                                      </p:to>
-                                    </p:set>
-                                    <p:animEffect transition="in" filter="fade">
-                                      <p:cBhvr>
-                                        <p:cTn id="7" dur="500"/>
-                                        <p:tgtEl>
-                                          <p:spTgt spid="28"/>
-                                        </p:tgtEl>
-                                      </p:cBhvr>
-                                    </p:animEffect>
-                                  </p:childTnLst>
-                                </p:cTn>
-                              </p:par>
-                            </p:childTnLst>
-                          </p:cTn>
-                        </p:par>
-                      </p:childTnLst>
-                    </p:cTn>
-                  </p:par>
-                  <p:par>
-                    <p:cTn id="8" fill="hold">
-                      <p:stCondLst>
-                        <p:cond delay="indefinite"/>
-                      </p:stCondLst>
-                      <p:childTnLst>
-                        <p:par>
-                          <p:cTn id="9" fill="hold">
-                            <p:stCondLst>
-                              <p:cond delay="0"/>
-                            </p:stCondLst>
-                            <p:childTnLst>
-                              <p:par>
-                                <p:cTn id="10" presetID="10" presetClass="entr" presetSubtype="0" fill="hold" nodeType="clickEffect">
-                                  <p:stCondLst>
-                                    <p:cond delay="0"/>
-                                  </p:stCondLst>
-                                  <p:childTnLst>
-                                    <p:set>
-                                      <p:cBhvr>
-                                        <p:cTn id="11" dur="1" fill="hold">
-                                          <p:stCondLst>
-                                            <p:cond delay="0"/>
-                                          </p:stCondLst>
-                                        </p:cTn>
-                                        <p:tgtEl>
-                                          <p:spTgt spid="29"/>
-                                        </p:tgtEl>
-                                        <p:attrNameLst>
-                                          <p:attrName>style.visibility</p:attrName>
-                                        </p:attrNameLst>
-                                      </p:cBhvr>
-                                      <p:to>
-                                        <p:strVal val="visible"/>
-                                      </p:to>
-                                    </p:set>
-                                    <p:animEffect transition="in" filter="fade">
-                                      <p:cBhvr>
-                                        <p:cTn id="12" dur="500"/>
-                                        <p:tgtEl>
-                                          <p:spTgt spid="29"/>
-                                        </p:tgtEl>
-                                      </p:cBhvr>
-                                    </p:animEffect>
-                                  </p:childTnLst>
-                                </p:cTn>
-                              </p:par>
-                            </p:childTnLst>
-                          </p:cTn>
-                        </p:par>
-                      </p:childTnLst>
-                    </p:cTn>
-                  </p:par>
-                  <p:par>
-                    <p:cTn id="13" fill="hold">
-                      <p:stCondLst>
-                        <p:cond delay="indefinite"/>
-                      </p:stCondLst>
-                      <p:childTnLst>
-                        <p:par>
-                          <p:cTn id="14" fill="hold">
-                            <p:stCondLst>
-                              <p:cond delay="0"/>
-                            </p:stCondLst>
-                            <p:childTnLst>
-                              <p:par>
-                                <p:cTn id="15" presetID="10" presetClass="entr" presetSubtype="0" fill="hold" nodeType="clickEffect">
-                                  <p:stCondLst>
-                                    <p:cond delay="0"/>
-                                  </p:stCondLst>
-                                  <p:childTnLst>
-                                    <p:set>
-                                      <p:cBhvr>
-                                        <p:cTn id="16" dur="1" fill="hold">
-                                          <p:stCondLst>
-                                            <p:cond delay="0"/>
-                                          </p:stCondLst>
-                                        </p:cTn>
-                                        <p:tgtEl>
-                                          <p:spTgt spid="31"/>
-                                        </p:tgtEl>
-                                        <p:attrNameLst>
-                                          <p:attrName>style.visibility</p:attrName>
-                                        </p:attrNameLst>
-                                      </p:cBhvr>
-                                      <p:to>
-                                        <p:strVal val="visible"/>
-                                      </p:to>
-                                    </p:set>
-                                    <p:animEffect transition="in" filter="fade">
-                                      <p:cBhvr>
-                                        <p:cTn id="17" dur="500"/>
-                                        <p:tgtEl>
-                                          <p:spTgt spid="31"/>
-                                        </p:tgtEl>
-                                      </p:cBhvr>
-                                    </p:animEffect>
-                                  </p:childTnLst>
-                                </p:cTn>
-                              </p:par>
-                            </p:childTnLst>
-                          </p:cTn>
-                        </p:par>
-                      </p:childTnLst>
-                    </p:cTn>
-                  </p:par>
-                  <p:par>
-                    <p:cTn id="18" fill="hold">
-                      <p:stCondLst>
-                        <p:cond delay="indefinite"/>
-                      </p:stCondLst>
-                      <p:childTnLst>
-                        <p:par>
-                          <p:cTn id="19" fill="hold">
-                            <p:stCondLst>
-                              <p:cond delay="0"/>
-                            </p:stCondLst>
-                            <p:childTnLst>
-                              <p:par>
-                                <p:cTn id="20" presetID="10" presetClass="entr" presetSubtype="0" fill="hold" nodeType="clickEffect">
-                                  <p:stCondLst>
-                                    <p:cond delay="0"/>
-                                  </p:stCondLst>
-                                  <p:childTnLst>
-                                    <p:set>
-                                      <p:cBhvr>
-                                        <p:cTn id="21" dur="1" fill="hold">
-                                          <p:stCondLst>
-                                            <p:cond delay="0"/>
-                                          </p:stCondLst>
-                                        </p:cTn>
-                                        <p:tgtEl>
-                                          <p:spTgt spid="30"/>
-                                        </p:tgtEl>
-                                        <p:attrNameLst>
-                                          <p:attrName>style.visibility</p:attrName>
-                                        </p:attrNameLst>
-                                      </p:cBhvr>
-                                      <p:to>
-                                        <p:strVal val="visible"/>
-                                      </p:to>
-                                    </p:set>
-                                    <p:animEffect transition="in" filter="fade">
-                                      <p:cBhvr>
-                                        <p:cTn id="22" dur="500"/>
-                                        <p:tgtEl>
-                                          <p:spTgt spid="30"/>
-                                        </p:tgtEl>
-                                      </p:cBhvr>
-                                    </p:animEffect>
-                                  </p:childTnLst>
-                                </p:cTn>
-                              </p:par>
-                            </p:childTnLst>
-                          </p:cTn>
-                        </p:par>
-                      </p:childTnLst>
-                    </p:cTn>
-                  </p:par>
-                </p:childTnLst>
-              </p:cTn>
-              <p:prevCondLst>
-                <p:cond evt="onPrev" delay="0">
-                  <p:tgtEl>
-                    <p:sldTgt/>
-                  </p:tgtEl>
-                </p:cond>
-              </p:prevCondLst>
-              <p:nextCondLst>
-                <p:cond evt="onNext" delay="0">
-                  <p:tgtEl>
-                    <p:sldTgt/>
-                  </p:tgtEl>
-                </p:cond>
-              </p:nextCondLst>
-            </p:seq>
-          </p:childTnLst>
-        </p:cTn>
-      </p:par>
-    </p:tnLst>
-  </p:timing>
 </p:sld>
 </file>
 
-<file path=ppt/slides/slide3.xml><?xml version="1.0" encoding="utf-8"?>
+<file path=ppt/slides/slide19.xml><?xml version="1.0" encoding="utf-8"?>
 <p:sld xmlns:a="http://schemas.openxmlformats.org/drawingml/2006/main" xmlns:r="http://schemas.openxmlformats.org/officeDocument/2006/relationships" xmlns:p="http://schemas.openxmlformats.org/presentationml/2006/main">
   <p:cSld>
     <p:spTree>
@@ -4942,7 +4377,11 @@
           <a:p>
             <a:r>
               <a:rPr lang="en-US" dirty="0" smtClean="0"/>
-              <a:t>The causal influence of DNA methylation on complex traits</a:t>
+              <a:t>17: The </a:t>
+            </a:r>
+            <a:r>
+              <a:rPr lang="en-US" dirty="0" smtClean="0"/>
+              <a:t>causal influence of DNA methylation on complex traits</a:t>
             </a:r>
             <a:endParaRPr lang="en-US" dirty="0"/>
           </a:p>
@@ -5020,6 +4459,32 @@
           </a:p>
         </p:txBody>
       </p:sp>
+      <p:sp>
+        <p:nvSpPr>
+          <p:cNvPr id="3" name="TextBox 2"/>
+          <p:cNvSpPr txBox="1"/>
+          <p:nvPr/>
+        </p:nvSpPr>
+        <p:spPr>
+          <a:xfrm>
+            <a:off x="1776549" y="-1018903"/>
+            <a:ext cx="184731" cy="369332"/>
+          </a:xfrm>
+          <a:prstGeom prst="rect">
+            <a:avLst/>
+          </a:prstGeom>
+          <a:noFill/>
+        </p:spPr>
+        <p:txBody>
+          <a:bodyPr wrap="none" rtlCol="0">
+            <a:spAutoFit/>
+          </a:bodyPr>
+          <a:lstStyle/>
+          <a:p>
+            <a:endParaRPr lang="en-US" dirty="0"/>
+          </a:p>
+        </p:txBody>
+      </p:sp>
     </p:spTree>
     <p:extLst>
       <p:ext uri="{BB962C8B-B14F-4D97-AF65-F5344CB8AC3E}">
@@ -5033,7 +4498,7 @@
 </p:sld>
 </file>
 
-<file path=ppt/slides/slide4.xml><?xml version="1.0" encoding="utf-8"?>
+<file path=ppt/slides/slide2.xml><?xml version="1.0" encoding="utf-8"?>
 <p:sld xmlns:a="http://schemas.openxmlformats.org/drawingml/2006/main" xmlns:r="http://schemas.openxmlformats.org/officeDocument/2006/relationships" xmlns:p="http://schemas.openxmlformats.org/presentationml/2006/main">
   <p:cSld>
     <p:spTree>
@@ -5160,7 +4625,7 @@
 </p:sld>
 </file>
 
-<file path=ppt/slides/slide5.xml><?xml version="1.0" encoding="utf-8"?>
+<file path=ppt/slides/slide3.xml><?xml version="1.0" encoding="utf-8"?>
 <p:sld xmlns:a="http://schemas.openxmlformats.org/drawingml/2006/main" xmlns:r="http://schemas.openxmlformats.org/officeDocument/2006/relationships" xmlns:p="http://schemas.openxmlformats.org/presentationml/2006/main">
   <p:cSld>
     <p:spTree>
@@ -6631,7 +6096,7 @@
 </p:sld>
 </file>
 
-<file path=ppt/slides/slide6.xml><?xml version="1.0" encoding="utf-8"?>
+<file path=ppt/slides/slide4.xml><?xml version="1.0" encoding="utf-8"?>
 <p:sld xmlns:a="http://schemas.openxmlformats.org/drawingml/2006/main" xmlns:r="http://schemas.openxmlformats.org/officeDocument/2006/relationships" xmlns:p="http://schemas.openxmlformats.org/presentationml/2006/main">
   <p:cSld>
     <p:spTree>
@@ -7873,7 +7338,7 @@
 </p:sld>
 </file>
 
-<file path=ppt/slides/slide7.xml><?xml version="1.0" encoding="utf-8"?>
+<file path=ppt/slides/slide5.xml><?xml version="1.0" encoding="utf-8"?>
 <p:sld xmlns:a="http://schemas.openxmlformats.org/drawingml/2006/main" xmlns:r="http://schemas.openxmlformats.org/officeDocument/2006/relationships" xmlns:p="http://schemas.openxmlformats.org/presentationml/2006/main">
   <p:cSld>
     <p:spTree>
@@ -8001,7 +7466,7 @@
 </p:sld>
 </file>
 
-<file path=ppt/slides/slide8.xml><?xml version="1.0" encoding="utf-8"?>
+<file path=ppt/slides/slide6.xml><?xml version="1.0" encoding="utf-8"?>
 <p:sld xmlns:a="http://schemas.openxmlformats.org/drawingml/2006/main" xmlns:r="http://schemas.openxmlformats.org/officeDocument/2006/relationships" xmlns:p="http://schemas.openxmlformats.org/presentationml/2006/main">
   <p:cSld>
     <p:spTree>
@@ -9340,6 +8805,258 @@
 </p:sld>
 </file>
 
+<file path=ppt/slides/slide7.xml><?xml version="1.0" encoding="utf-8"?>
+<p:sld xmlns:a="http://schemas.openxmlformats.org/drawingml/2006/main" xmlns:r="http://schemas.openxmlformats.org/officeDocument/2006/relationships" xmlns:p="http://schemas.openxmlformats.org/presentationml/2006/main">
+  <p:cSld>
+    <p:spTree>
+      <p:nvGrpSpPr>
+        <p:cNvPr id="1" name=""/>
+        <p:cNvGrpSpPr/>
+        <p:nvPr/>
+      </p:nvGrpSpPr>
+      <p:grpSpPr>
+        <a:xfrm>
+          <a:off x="0" y="0"/>
+          <a:ext cx="0" cy="0"/>
+          <a:chOff x="0" y="0"/>
+          <a:chExt cx="0" cy="0"/>
+        </a:xfrm>
+      </p:grpSpPr>
+      <p:sp>
+        <p:nvSpPr>
+          <p:cNvPr id="2" name="Title 1"/>
+          <p:cNvSpPr>
+            <a:spLocks noGrp="1"/>
+          </p:cNvSpPr>
+          <p:nvPr>
+            <p:ph type="title"/>
+          </p:nvPr>
+        </p:nvSpPr>
+        <p:spPr/>
+        <p:txBody>
+          <a:bodyPr/>
+          <a:lstStyle/>
+          <a:p>
+            <a:r>
+              <a:rPr lang="en-US" dirty="0" smtClean="0"/>
+              <a:t>Meta analysis (16)</a:t>
+            </a:r>
+            <a:endParaRPr lang="en-US" dirty="0"/>
+          </a:p>
+        </p:txBody>
+      </p:sp>
+      <p:sp>
+        <p:nvSpPr>
+          <p:cNvPr id="3" name="Content Placeholder 2"/>
+          <p:cNvSpPr>
+            <a:spLocks noGrp="1"/>
+          </p:cNvSpPr>
+          <p:nvPr>
+            <p:ph idx="1"/>
+          </p:nvPr>
+        </p:nvSpPr>
+        <p:spPr/>
+        <p:txBody>
+          <a:bodyPr/>
+          <a:lstStyle/>
+          <a:p>
+            <a:r>
+              <a:rPr lang="en-US" dirty="0" smtClean="0"/>
+              <a:t>Approximately 120 million SNP-</a:t>
+            </a:r>
+            <a:r>
+              <a:rPr lang="en-US" dirty="0" err="1" smtClean="0"/>
+              <a:t>CpGs</a:t>
+            </a:r>
+            <a:r>
+              <a:rPr lang="en-US" dirty="0" smtClean="0"/>
+              <a:t> split in 962 files</a:t>
+            </a:r>
+          </a:p>
+          <a:p>
+            <a:pPr lvl="1"/>
+            <a:r>
+              <a:rPr lang="en-US" dirty="0" smtClean="0"/>
+              <a:t>Each </a:t>
+            </a:r>
+            <a:r>
+              <a:rPr lang="en-US" dirty="0" err="1" smtClean="0"/>
+              <a:t>CpG</a:t>
+            </a:r>
+            <a:r>
+              <a:rPr lang="en-US" dirty="0" smtClean="0"/>
+              <a:t> represented in only one file</a:t>
+            </a:r>
+          </a:p>
+          <a:p>
+            <a:r>
+              <a:rPr lang="en-US" dirty="0" smtClean="0"/>
+              <a:t>Using METAL to do meta analysis</a:t>
+            </a:r>
+          </a:p>
+          <a:p>
+            <a:pPr lvl="1"/>
+            <a:r>
+              <a:rPr lang="en-US" dirty="0" smtClean="0"/>
+              <a:t>Fixed effects (IVW)</a:t>
+            </a:r>
+          </a:p>
+          <a:p>
+            <a:pPr lvl="1"/>
+            <a:r>
+              <a:rPr lang="en-US" dirty="0" smtClean="0"/>
+              <a:t>Fast and handles large files ok</a:t>
+            </a:r>
+          </a:p>
+          <a:p>
+            <a:pPr lvl="1"/>
+            <a:r>
+              <a:rPr lang="en-US" dirty="0" smtClean="0"/>
+              <a:t>Only prints to 4 significant figures</a:t>
+            </a:r>
+          </a:p>
+          <a:p>
+            <a:endParaRPr lang="en-US" dirty="0"/>
+          </a:p>
+        </p:txBody>
+      </p:sp>
+    </p:spTree>
+    <p:extLst>
+      <p:ext uri="{BB962C8B-B14F-4D97-AF65-F5344CB8AC3E}">
+        <p14:creationId xmlns:p14="http://schemas.microsoft.com/office/powerpoint/2010/main" val="357146120"/>
+      </p:ext>
+    </p:extLst>
+  </p:cSld>
+  <p:clrMapOvr>
+    <a:masterClrMapping/>
+  </p:clrMapOvr>
+</p:sld>
+</file>
+
+<file path=ppt/slides/slide8.xml><?xml version="1.0" encoding="utf-8"?>
+<p:sld xmlns:a="http://schemas.openxmlformats.org/drawingml/2006/main" xmlns:r="http://schemas.openxmlformats.org/officeDocument/2006/relationships" xmlns:p="http://schemas.openxmlformats.org/presentationml/2006/main">
+  <p:cSld>
+    <p:spTree>
+      <p:nvGrpSpPr>
+        <p:cNvPr id="1" name=""/>
+        <p:cNvGrpSpPr/>
+        <p:nvPr/>
+      </p:nvGrpSpPr>
+      <p:grpSpPr>
+        <a:xfrm>
+          <a:off x="0" y="0"/>
+          <a:ext cx="0" cy="0"/>
+          <a:chOff x="0" y="0"/>
+          <a:chExt cx="0" cy="0"/>
+        </a:xfrm>
+      </p:grpSpPr>
+      <p:sp>
+        <p:nvSpPr>
+          <p:cNvPr id="2" name="Title 1"/>
+          <p:cNvSpPr>
+            <a:spLocks noGrp="1"/>
+          </p:cNvSpPr>
+          <p:nvPr>
+            <p:ph type="title"/>
+          </p:nvPr>
+        </p:nvSpPr>
+        <p:spPr/>
+        <p:txBody>
+          <a:bodyPr/>
+          <a:lstStyle/>
+          <a:p>
+            <a:r>
+              <a:rPr lang="en-US" dirty="0" smtClean="0"/>
+              <a:t>Clumping</a:t>
+            </a:r>
+            <a:endParaRPr lang="en-US" dirty="0"/>
+          </a:p>
+        </p:txBody>
+      </p:sp>
+      <p:sp>
+        <p:nvSpPr>
+          <p:cNvPr id="3" name="Content Placeholder 2"/>
+          <p:cNvSpPr>
+            <a:spLocks noGrp="1"/>
+          </p:cNvSpPr>
+          <p:nvPr>
+            <p:ph idx="1"/>
+          </p:nvPr>
+        </p:nvSpPr>
+        <p:spPr/>
+        <p:txBody>
+          <a:bodyPr/>
+          <a:lstStyle/>
+          <a:p>
+            <a:r>
+              <a:rPr lang="en-US" dirty="0" smtClean="0"/>
+              <a:t>2.5Mb radius</a:t>
+            </a:r>
+          </a:p>
+          <a:p>
+            <a:r>
+              <a:rPr lang="en-US" dirty="0" err="1" smtClean="0"/>
+              <a:t>Rsq</a:t>
+            </a:r>
+            <a:r>
+              <a:rPr lang="en-US" dirty="0" smtClean="0"/>
+              <a:t> 0.001</a:t>
+            </a:r>
+          </a:p>
+          <a:p>
+            <a:r>
+              <a:rPr lang="en-US" dirty="0" smtClean="0"/>
+              <a:t>Cis-</a:t>
+            </a:r>
+            <a:r>
+              <a:rPr lang="en-US" dirty="0" err="1" smtClean="0"/>
+              <a:t>pval</a:t>
+            </a:r>
+            <a:r>
+              <a:rPr lang="en-US" dirty="0" smtClean="0"/>
+              <a:t> 1e-4</a:t>
+            </a:r>
+          </a:p>
+          <a:p>
+            <a:r>
+              <a:rPr lang="en-US" dirty="0" smtClean="0"/>
+              <a:t>Trans-</a:t>
+            </a:r>
+            <a:r>
+              <a:rPr lang="en-US" dirty="0" err="1" smtClean="0"/>
+              <a:t>pval</a:t>
+            </a:r>
+            <a:r>
+              <a:rPr lang="en-US" dirty="0" smtClean="0"/>
+              <a:t> 5e-8</a:t>
+            </a:r>
+          </a:p>
+          <a:p>
+            <a:r>
+              <a:rPr lang="en-US" dirty="0" smtClean="0"/>
+              <a:t>European 1000G reference </a:t>
+            </a:r>
+            <a:r>
+              <a:rPr lang="en-US" dirty="0" err="1" smtClean="0"/>
+              <a:t>panl</a:t>
+            </a:r>
+            <a:endParaRPr lang="en-US" dirty="0"/>
+          </a:p>
+        </p:txBody>
+      </p:sp>
+    </p:spTree>
+    <p:extLst>
+      <p:ext uri="{BB962C8B-B14F-4D97-AF65-F5344CB8AC3E}">
+        <p14:creationId xmlns:p14="http://schemas.microsoft.com/office/powerpoint/2010/main" val="433536584"/>
+      </p:ext>
+    </p:extLst>
+  </p:cSld>
+  <p:clrMapOvr>
+    <a:masterClrMapping/>
+  </p:clrMapOvr>
+</p:sld>
+</file>
+
 <file path=ppt/slides/slide9.xml><?xml version="1.0" encoding="utf-8"?>
 <p:sld xmlns:a="http://schemas.openxmlformats.org/drawingml/2006/main" xmlns:r="http://schemas.openxmlformats.org/officeDocument/2006/relationships" xmlns:p="http://schemas.openxmlformats.org/presentationml/2006/main">
   <p:cSld>
@@ -9357,108 +9074,73 @@
           <a:chExt cx="0" cy="0"/>
         </a:xfrm>
       </p:grpSpPr>
-      <p:sp>
-        <p:nvSpPr>
-          <p:cNvPr id="2" name="Title 1"/>
-          <p:cNvSpPr>
-            <a:spLocks noGrp="1"/>
-          </p:cNvSpPr>
-          <p:nvPr>
-            <p:ph type="title"/>
-          </p:nvPr>
-        </p:nvSpPr>
-        <p:spPr/>
-        <p:txBody>
-          <a:bodyPr/>
+      <p:pic>
+        <p:nvPicPr>
+          <p:cNvPr id="4" name="Content Placeholder 3"/>
+          <p:cNvPicPr>
+            <a:picLocks noGrp="1" noChangeAspect="1"/>
+          </p:cNvPicPr>
+          <p:nvPr>
+            <p:ph idx="1"/>
+          </p:nvPr>
+        </p:nvPicPr>
+        <p:blipFill>
+          <a:blip r:embed="rId2">
+            <a:extLst>
+              <a:ext uri="{28A0092B-C50C-407E-A947-70E740481C1C}">
+                <a14:useLocalDpi xmlns:a14="http://schemas.microsoft.com/office/drawing/2010/main" val="0"/>
+              </a:ext>
+            </a:extLst>
+          </a:blip>
+          <a:stretch>
+            <a:fillRect/>
+          </a:stretch>
+        </p:blipFill>
+        <p:spPr>
+          <a:xfrm>
+            <a:off x="504496" y="99848"/>
+            <a:ext cx="6758152" cy="6758152"/>
+          </a:xfrm>
+        </p:spPr>
+      </p:pic>
+      <p:sp>
+        <p:nvSpPr>
+          <p:cNvPr id="5" name="TextBox 4"/>
+          <p:cNvSpPr txBox="1"/>
+          <p:nvPr/>
+        </p:nvSpPr>
+        <p:spPr>
+          <a:xfrm>
+            <a:off x="8040414" y="714703"/>
+            <a:ext cx="2921876" cy="646331"/>
+          </a:xfrm>
+          <a:prstGeom prst="rect">
+            <a:avLst/>
+          </a:prstGeom>
+          <a:noFill/>
+        </p:spPr>
+        <p:txBody>
+          <a:bodyPr wrap="square" rtlCol="0">
+            <a:spAutoFit/>
+          </a:bodyPr>
           <a:lstStyle/>
           <a:p>
             <a:r>
               <a:rPr lang="en-US" dirty="0" smtClean="0"/>
-              <a:t>Meta analysis (16)</a:t>
-            </a:r>
-            <a:endParaRPr lang="en-US" dirty="0"/>
-          </a:p>
-        </p:txBody>
-      </p:sp>
-      <p:sp>
-        <p:nvSpPr>
-          <p:cNvPr id="3" name="Content Placeholder 2"/>
-          <p:cNvSpPr>
-            <a:spLocks noGrp="1"/>
-          </p:cNvSpPr>
-          <p:nvPr>
-            <p:ph idx="1"/>
-          </p:nvPr>
-        </p:nvSpPr>
-        <p:spPr/>
-        <p:txBody>
-          <a:bodyPr/>
-          <a:lstStyle/>
-          <a:p>
-            <a:r>
-              <a:rPr lang="en-US" dirty="0" smtClean="0"/>
-              <a:t>Approximately 120 million SNP-</a:t>
-            </a:r>
-            <a:r>
-              <a:rPr lang="en-US" dirty="0" err="1" smtClean="0"/>
-              <a:t>CpGs</a:t>
-            </a:r>
-            <a:r>
-              <a:rPr lang="en-US" dirty="0" smtClean="0"/>
-              <a:t> split in 962 files</a:t>
-            </a:r>
-          </a:p>
-          <a:p>
-            <a:pPr lvl="1"/>
-            <a:r>
-              <a:rPr lang="en-US" dirty="0" smtClean="0"/>
-              <a:t>Each </a:t>
-            </a:r>
-            <a:r>
-              <a:rPr lang="en-US" dirty="0" err="1" smtClean="0"/>
-              <a:t>CpG</a:t>
-            </a:r>
-            <a:r>
-              <a:rPr lang="en-US" dirty="0" smtClean="0"/>
-              <a:t> represented in only one file</a:t>
-            </a:r>
-          </a:p>
-          <a:p>
-            <a:r>
-              <a:rPr lang="en-US" dirty="0" smtClean="0"/>
-              <a:t>Using METAL to do meta analysis</a:t>
-            </a:r>
-          </a:p>
-          <a:p>
-            <a:pPr lvl="1"/>
-            <a:r>
-              <a:rPr lang="en-US" dirty="0" smtClean="0"/>
-              <a:t>Fixed effects (IVW)</a:t>
-            </a:r>
-          </a:p>
-          <a:p>
-            <a:pPr lvl="1"/>
-            <a:r>
-              <a:rPr lang="en-US" dirty="0" smtClean="0"/>
-              <a:t>Fast and handles large files ok</a:t>
-            </a:r>
-          </a:p>
-          <a:p>
-            <a:pPr lvl="1"/>
-            <a:r>
-              <a:rPr lang="en-US" dirty="0" smtClean="0"/>
-              <a:t>Only prints to 4 significant figures</a:t>
-            </a:r>
-          </a:p>
-          <a:p>
-            <a:endParaRPr lang="en-US" dirty="0"/>
+              <a:t>Using </a:t>
+            </a:r>
+            <a:r>
+              <a:rPr lang="en-US" smtClean="0"/>
+              <a:t>1Mb radius as cis distance</a:t>
+            </a:r>
+            <a:endParaRPr lang="en-US"/>
           </a:p>
         </p:txBody>
       </p:sp>
     </p:spTree>
     <p:extLst>
       <p:ext uri="{BB962C8B-B14F-4D97-AF65-F5344CB8AC3E}">
-        <p14:creationId xmlns:p14="http://schemas.microsoft.com/office/powerpoint/2010/main" val="357146120"/>
+        <p14:creationId xmlns:p14="http://schemas.microsoft.com/office/powerpoint/2010/main" val="2593732"/>
       </p:ext>
     </p:extLst>
   </p:cSld>

--- a/docs/presentations/20170505_analyst_call.pptx
+++ b/docs/presentations/20170505_analyst_call.pptx
@@ -3473,7 +3473,11 @@
           <a:p>
             <a:r>
               <a:rPr lang="en-US" dirty="0" smtClean="0"/>
-              <a:t>First look at meta analysis</a:t>
+              <a:t>First look at </a:t>
+            </a:r>
+            <a:r>
+              <a:rPr lang="en-US" dirty="0" smtClean="0"/>
+              <a:t>phase 2 results</a:t>
             </a:r>
             <a:endParaRPr lang="en-US" dirty="0"/>
           </a:p>
@@ -4377,11 +4381,7 @@
           <a:p>
             <a:r>
               <a:rPr lang="en-US" dirty="0" smtClean="0"/>
-              <a:t>17: The </a:t>
-            </a:r>
-            <a:r>
-              <a:rPr lang="en-US" dirty="0" smtClean="0"/>
-              <a:t>causal influence of DNA methylation on complex traits</a:t>
+              <a:t>17: The causal influence of DNA methylation on complex traits</a:t>
             </a:r>
             <a:endParaRPr lang="en-US" dirty="0"/>
           </a:p>
@@ -6138,11 +6138,7 @@
             </a:r>
             <a:r>
               <a:rPr lang="en-US" dirty="0" smtClean="0"/>
-              <a:t> </a:t>
-            </a:r>
-            <a:r>
-              <a:rPr lang="en-US" dirty="0" smtClean="0"/>
-              <a:t>coverage, </a:t>
+              <a:t> coverage, </a:t>
             </a:r>
             <a:r>
               <a:rPr lang="en-US" dirty="0" err="1" smtClean="0"/>
@@ -7500,11 +7496,7 @@
           <a:p>
             <a:r>
               <a:rPr lang="en-US" dirty="0" smtClean="0"/>
-              <a:t>17: Additional </a:t>
-            </a:r>
-            <a:r>
-              <a:rPr lang="en-US" dirty="0" smtClean="0"/>
-              <a:t>coverage</a:t>
+              <a:t>17: Additional coverage</a:t>
             </a:r>
             <a:endParaRPr lang="en-US" dirty="0"/>
           </a:p>
